--- a/Documents/PP.pptx
+++ b/Documents/PP.pptx
@@ -12,7 +12,7 @@
     <p:notesMasterId r:id="rId13"/>
   </p:notesMasterIdLst>
   <p:handoutMasterIdLst>
-    <p:handoutMasterId r:id="rId32"/>
+    <p:handoutMasterId r:id="rId34"/>
   </p:handoutMasterIdLst>
   <p:sldIdLst>
     <p:sldId id="577" r:id="rId7"/>
@@ -31,24 +31,26 @@
     <p:sldId id="658" r:id="rId21"/>
     <p:sldId id="659" r:id="rId22"/>
     <p:sldId id="660" r:id="rId23"/>
-    <p:sldId id="661" r:id="rId24"/>
-    <p:sldId id="662" r:id="rId25"/>
-    <p:sldId id="664" r:id="rId26"/>
-    <p:sldId id="666" r:id="rId27"/>
-    <p:sldId id="668" r:id="rId28"/>
-    <p:sldId id="667" r:id="rId29"/>
-    <p:sldId id="669" r:id="rId30"/>
-    <p:sldId id="635" r:id="rId31"/>
+    <p:sldId id="672" r:id="rId24"/>
+    <p:sldId id="661" r:id="rId25"/>
+    <p:sldId id="662" r:id="rId26"/>
+    <p:sldId id="664" r:id="rId27"/>
+    <p:sldId id="666" r:id="rId28"/>
+    <p:sldId id="668" r:id="rId29"/>
+    <p:sldId id="667" r:id="rId30"/>
+    <p:sldId id="673" r:id="rId31"/>
+    <p:sldId id="669" r:id="rId32"/>
+    <p:sldId id="635" r:id="rId33"/>
   </p:sldIdLst>
   <p:sldSz cx="12192000" cy="6858000"/>
   <p:notesSz cx="6858000" cy="9144000"/>
   <p:embeddedFontLst>
     <p:embeddedFont>
-      <p:font typeface="Calibri" panose="020F0502020204030204"/>
-      <p:regular r:id="rId36"/>
-      <p:bold r:id="rId37"/>
-      <p:italic r:id="rId38"/>
-      <p:boldItalic r:id="rId39"/>
+      <p:font typeface="Calibri" panose="020F0502020204030204" pitchFamily="34" charset="0"/>
+      <p:regular r:id="rId38"/>
+      <p:bold r:id="rId39"/>
+      <p:italic r:id="rId40"/>
+      <p:boldItalic r:id="rId41"/>
     </p:embeddedFont>
   </p:embeddedFontLst>
   <p:defaultTextStyle>
@@ -730,6 +732,54 @@
 </p:notes>
 </file>
 
+<file path=ppt/notesSlides/notesSlide10.xml><?xml version="1.0" encoding="utf-8"?>
+<p:notes xmlns:a="http://schemas.openxmlformats.org/drawingml/2006/main" xmlns:r="http://schemas.openxmlformats.org/officeDocument/2006/relationships" xmlns:p="http://schemas.openxmlformats.org/presentationml/2006/main">
+  <p:cSld>
+    <p:spTree>
+      <p:nvGrpSpPr>
+        <p:cNvPr id="1" name=""/>
+        <p:cNvGrpSpPr/>
+        <p:nvPr/>
+      </p:nvGrpSpPr>
+      <p:grpSpPr/>
+      <p:sp>
+        <p:nvSpPr>
+          <p:cNvPr id="2" name="Slide Image Placeholder 1"/>
+          <p:cNvSpPr>
+            <a:spLocks noGrp="1"/>
+          </p:cNvSpPr>
+          <p:nvPr>
+            <p:ph type="sldImg" idx="2"/>
+          </p:nvPr>
+        </p:nvSpPr>
+        <p:spPr/>
+      </p:sp>
+      <p:sp>
+        <p:nvSpPr>
+          <p:cNvPr id="3" name="Text Placeholder 2"/>
+          <p:cNvSpPr>
+            <a:spLocks noGrp="1"/>
+          </p:cNvSpPr>
+          <p:nvPr>
+            <p:ph type="body" idx="3"/>
+          </p:nvPr>
+        </p:nvSpPr>
+        <p:spPr/>
+        <p:txBody>
+          <a:bodyPr/>
+          <a:p>
+            <a:endParaRPr lang="en-US"/>
+          </a:p>
+        </p:txBody>
+      </p:sp>
+    </p:spTree>
+  </p:cSld>
+  <p:clrMapOvr>
+    <a:masterClrMapping/>
+  </p:clrMapOvr>
+</p:notes>
+</file>
+
 <file path=ppt/notesSlides/notesSlide2.xml><?xml version="1.0" encoding="utf-8"?>
 <p:notes xmlns:a="http://schemas.openxmlformats.org/drawingml/2006/main" xmlns:r="http://schemas.openxmlformats.org/officeDocument/2006/relationships" xmlns:p="http://schemas.openxmlformats.org/presentationml/2006/main">
   <p:cSld>
@@ -1019,6 +1069,54 @@
 </file>
 
 <file path=ppt/notesSlides/notesSlide8.xml><?xml version="1.0" encoding="utf-8"?>
+<p:notes xmlns:a="http://schemas.openxmlformats.org/drawingml/2006/main" xmlns:r="http://schemas.openxmlformats.org/officeDocument/2006/relationships" xmlns:p="http://schemas.openxmlformats.org/presentationml/2006/main">
+  <p:cSld>
+    <p:spTree>
+      <p:nvGrpSpPr>
+        <p:cNvPr id="1" name=""/>
+        <p:cNvGrpSpPr/>
+        <p:nvPr/>
+      </p:nvGrpSpPr>
+      <p:grpSpPr/>
+      <p:sp>
+        <p:nvSpPr>
+          <p:cNvPr id="2" name="Slide Image Placeholder 1"/>
+          <p:cNvSpPr>
+            <a:spLocks noGrp="1"/>
+          </p:cNvSpPr>
+          <p:nvPr>
+            <p:ph type="sldImg" idx="2"/>
+          </p:nvPr>
+        </p:nvSpPr>
+        <p:spPr/>
+      </p:sp>
+      <p:sp>
+        <p:nvSpPr>
+          <p:cNvPr id="3" name="Text Placeholder 2"/>
+          <p:cNvSpPr>
+            <a:spLocks noGrp="1"/>
+          </p:cNvSpPr>
+          <p:nvPr>
+            <p:ph type="body" idx="3"/>
+          </p:nvPr>
+        </p:nvSpPr>
+        <p:spPr/>
+        <p:txBody>
+          <a:bodyPr/>
+          <a:p>
+            <a:endParaRPr lang="en-US"/>
+          </a:p>
+        </p:txBody>
+      </p:sp>
+    </p:spTree>
+  </p:cSld>
+  <p:clrMapOvr>
+    <a:masterClrMapping/>
+  </p:clrMapOvr>
+</p:notes>
+</file>
+
+<file path=ppt/notesSlides/notesSlide9.xml><?xml version="1.0" encoding="utf-8"?>
 <p:notes xmlns:a="http://schemas.openxmlformats.org/drawingml/2006/main" xmlns:r="http://schemas.openxmlformats.org/officeDocument/2006/relationships" xmlns:p="http://schemas.openxmlformats.org/presentationml/2006/main">
   <p:cSld>
     <p:spTree>
@@ -9264,7 +9362,7 @@
                 <a:cs typeface="+mn-ea"/>
                 <a:sym typeface="+mn-lt"/>
               </a:rPr>
-              <a:t>Invoice,</a:t>
+              <a:t>Invoice</a:t>
             </a:r>
             <a:endParaRPr lang="en-US" altLang="zh-CN" sz="2135" b="1" dirty="0">
               <a:solidFill>
@@ -9367,8 +9465,8 @@
         </p:nvSpPr>
         <p:spPr>
           <a:xfrm>
-            <a:off x="1138555" y="4231640"/>
-            <a:ext cx="3028950" cy="420370"/>
+            <a:off x="422910" y="3740150"/>
+            <a:ext cx="4010660" cy="2702560"/>
           </a:xfrm>
           <a:prstGeom prst="rect">
             <a:avLst/>
@@ -9377,7 +9475,7 @@
         </p:spPr>
         <p:txBody>
           <a:bodyPr wrap="square" rtlCol="0">
-            <a:spAutoFit/>
+            <a:noAutofit/>
           </a:bodyPr>
           <a:lstStyle>
             <a:defPPr>
@@ -9414,8 +9512,20 @@
                 <a:cs typeface="+mn-ea"/>
                 <a:sym typeface="+mn-lt"/>
               </a:rPr>
-              <a:t> cart</a:t>
+              <a:t> cart , Reset ,Pay</a:t>
             </a:r>
+            <a:endParaRPr lang="en-US" altLang="zh-CN" sz="2135" b="1" dirty="0">
+              <a:solidFill>
+                <a:prstClr val="black"/>
+              </a:solidFill>
+              <a:latin typeface="+mn-lt"/>
+              <a:ea typeface="+mn-ea"/>
+              <a:cs typeface="+mn-ea"/>
+              <a:sym typeface="+mn-lt"/>
+            </a:endParaRPr>
+          </a:p>
+          <a:p>
+            <a:pPr algn="r" defTabSz="1219200"/>
             <a:r>
               <a:rPr lang="en-US" altLang="zh-CN" sz="2135" b="1" dirty="0">
                 <a:solidFill>
@@ -9426,7 +9536,67 @@
                 <a:cs typeface="+mn-ea"/>
                 <a:sym typeface="+mn-lt"/>
               </a:rPr>
-              <a:t> Pay</a:t>
+              <a:t> Delete cart</a:t>
+            </a:r>
+            <a:endParaRPr lang="en-US" altLang="zh-CN" sz="2135" b="1" dirty="0">
+              <a:solidFill>
+                <a:prstClr val="black"/>
+              </a:solidFill>
+              <a:latin typeface="+mn-lt"/>
+              <a:ea typeface="+mn-ea"/>
+              <a:cs typeface="+mn-ea"/>
+              <a:sym typeface="+mn-lt"/>
+            </a:endParaRPr>
+          </a:p>
+          <a:p>
+            <a:pPr algn="r" defTabSz="1219200"/>
+            <a:endParaRPr lang="en-US" altLang="zh-CN" sz="2135" b="1" dirty="0">
+              <a:solidFill>
+                <a:prstClr val="black"/>
+              </a:solidFill>
+              <a:latin typeface="+mn-lt"/>
+              <a:ea typeface="+mn-ea"/>
+              <a:cs typeface="+mn-ea"/>
+              <a:sym typeface="+mn-lt"/>
+            </a:endParaRPr>
+          </a:p>
+          <a:p>
+            <a:pPr algn="r" defTabSz="1219200"/>
+            <a:r>
+              <a:rPr lang="en-US" altLang="zh-CN" sz="2135" b="1" dirty="0">
+                <a:solidFill>
+                  <a:prstClr val="black"/>
+                </a:solidFill>
+                <a:latin typeface="+mn-lt"/>
+                <a:ea typeface="+mn-ea"/>
+                <a:cs typeface="+mn-ea"/>
+                <a:sym typeface="+mn-lt"/>
+              </a:rPr>
+              <a:t>Add,Update,</a:t>
+            </a:r>
+            <a:endParaRPr lang="en-US" altLang="zh-CN" sz="2135" b="1" dirty="0">
+              <a:solidFill>
+                <a:prstClr val="black"/>
+              </a:solidFill>
+              <a:latin typeface="+mn-lt"/>
+              <a:ea typeface="+mn-ea"/>
+              <a:cs typeface="+mn-ea"/>
+              <a:sym typeface="+mn-lt"/>
+            </a:endParaRPr>
+          </a:p>
+          <a:p>
+            <a:pPr algn="r" defTabSz="1219200"/>
+            <a:r>
+              <a:rPr lang="en-US" altLang="zh-CN" sz="2135" b="1" dirty="0">
+                <a:solidFill>
+                  <a:prstClr val="black"/>
+                </a:solidFill>
+                <a:latin typeface="+mn-lt"/>
+                <a:ea typeface="+mn-ea"/>
+                <a:cs typeface="+mn-ea"/>
+                <a:sym typeface="+mn-lt"/>
+              </a:rPr>
+              <a:t>Delete,Search </a:t>
             </a:r>
             <a:endParaRPr lang="en-US" altLang="zh-CN" sz="2135" b="1" dirty="0">
               <a:solidFill>
@@ -9448,7 +9618,7 @@
         </p:nvSpPr>
         <p:spPr>
           <a:xfrm>
-            <a:off x="1697355" y="1936750"/>
+            <a:off x="1555115" y="2249170"/>
             <a:ext cx="2607310" cy="749300"/>
           </a:xfrm>
           <a:prstGeom prst="rect">
@@ -9483,7 +9653,7 @@
                 <a:cs typeface="+mn-ea"/>
                 <a:sym typeface="+mn-lt"/>
               </a:rPr>
-              <a:t>Product </a:t>
+              <a:t>Sell </a:t>
             </a:r>
             <a:endParaRPr lang="en-US" altLang="zh-CN" sz="2135" b="1" dirty="0">
               <a:solidFill>
@@ -9507,7 +9677,7 @@
                 <a:cs typeface="+mn-ea"/>
                 <a:sym typeface="+mn-lt"/>
               </a:rPr>
-              <a:t>Product-Detail</a:t>
+              <a:t>Employee</a:t>
             </a:r>
             <a:endParaRPr lang="en-US" altLang="zh-CN" sz="2135" b="1" dirty="0">
               <a:solidFill>
@@ -9740,6 +9910,64 @@
 </file>
 
 <file path=ppt/slides/slide17.xml><?xml version="1.0" encoding="utf-8"?>
+<p:sld xmlns:a="http://schemas.openxmlformats.org/drawingml/2006/main" xmlns:r="http://schemas.openxmlformats.org/officeDocument/2006/relationships" xmlns:p="http://schemas.openxmlformats.org/presentationml/2006/main">
+  <p:cSld>
+    <p:spTree>
+      <p:nvGrpSpPr>
+        <p:cNvPr id="1" name=""/>
+        <p:cNvGrpSpPr/>
+        <p:nvPr/>
+      </p:nvGrpSpPr>
+      <p:grpSpPr/>
+      <p:pic>
+        <p:nvPicPr>
+          <p:cNvPr id="4" name="Picture 3"/>
+          <p:cNvPicPr>
+            <a:picLocks noChangeAspect="1"/>
+          </p:cNvPicPr>
+          <p:nvPr>
+            <p:custDataLst>
+              <p:tags r:id="rId1"/>
+            </p:custDataLst>
+          </p:nvPr>
+        </p:nvPicPr>
+        <p:blipFill>
+          <a:blip r:embed="rId2"/>
+          <a:stretch>
+            <a:fillRect/>
+          </a:stretch>
+        </p:blipFill>
+        <p:spPr>
+          <a:xfrm>
+            <a:off x="920115" y="360045"/>
+            <a:ext cx="10289540" cy="6137275"/>
+          </a:xfrm>
+          <a:prstGeom prst="rect">
+            <a:avLst/>
+          </a:prstGeom>
+        </p:spPr>
+      </p:pic>
+    </p:spTree>
+  </p:cSld>
+  <p:clrMapOvr>
+    <a:masterClrMapping/>
+  </p:clrMapOvr>
+  <mc:AlternateContent xmlns:mc="http://schemas.openxmlformats.org/markup-compatibility/2006">
+    <mc:Choice xmlns:p14="http://schemas.microsoft.com/office/powerpoint/2010/main" Requires="p14">
+      <p:transition spd="slow" p14:dur="1500">
+        <p:random/>
+      </p:transition>
+    </mc:Choice>
+    <mc:Fallback>
+      <p:transition spd="slow">
+        <p:random/>
+      </p:transition>
+    </mc:Fallback>
+  </mc:AlternateContent>
+</p:sld>
+</file>
+
+<file path=ppt/slides/slide18.xml><?xml version="1.0" encoding="utf-8"?>
 <p:sld xmlns:a="http://schemas.openxmlformats.org/drawingml/2006/main" xmlns:r="http://schemas.openxmlformats.org/officeDocument/2006/relationships" xmlns:p="http://schemas.openxmlformats.org/presentationml/2006/main">
   <p:cSld>
     <p:spTree>
@@ -10214,7 +10442,7 @@
 </p:sld>
 </file>
 
-<file path=ppt/slides/slide18.xml><?xml version="1.0" encoding="utf-8"?>
+<file path=ppt/slides/slide19.xml><?xml version="1.0" encoding="utf-8"?>
 <p:sld xmlns:a="http://schemas.openxmlformats.org/drawingml/2006/main" xmlns:r="http://schemas.openxmlformats.org/officeDocument/2006/relationships" xmlns:p="http://schemas.openxmlformats.org/presentationml/2006/main">
   <p:cSld>
     <p:spTree>
@@ -11712,8 +11940,8 @@
         </p:nvSpPr>
         <p:spPr>
           <a:xfrm>
-            <a:off x="7905115" y="4316095"/>
-            <a:ext cx="4210050" cy="749300"/>
+            <a:off x="7966710" y="3993515"/>
+            <a:ext cx="4210050" cy="1078230"/>
           </a:xfrm>
           <a:prstGeom prst="rect">
             <a:avLst/>
@@ -11771,7 +11999,31 @@
                 <a:cs typeface="+mn-ea"/>
                 <a:sym typeface="+mn-lt"/>
               </a:rPr>
-              <a:t>Nhacungcap,Hangtonkho</a:t>
+              <a:t>Nhacungcap</a:t>
+            </a:r>
+            <a:endParaRPr lang="en-US" altLang="zh-CN" sz="2135" b="1" dirty="0">
+              <a:solidFill>
+                <a:prstClr val="black"/>
+              </a:solidFill>
+              <a:latin typeface="+mn-lt"/>
+              <a:ea typeface="+mn-ea"/>
+              <a:cs typeface="+mn-ea"/>
+              <a:sym typeface="+mn-lt"/>
+            </a:endParaRPr>
+          </a:p>
+          <a:p>
+            <a:pPr algn="l" defTabSz="1219200"/>
+            <a:r>
+              <a:rPr lang="en-US" altLang="zh-CN" sz="2135" b="1" dirty="0">
+                <a:solidFill>
+                  <a:prstClr val="black"/>
+                </a:solidFill>
+                <a:latin typeface="+mn-lt"/>
+                <a:ea typeface="+mn-ea"/>
+                <a:cs typeface="+mn-ea"/>
+                <a:sym typeface="+mn-lt"/>
+              </a:rPr>
+              <a:t>Hangtonkho</a:t>
             </a:r>
             <a:endParaRPr lang="en-US" altLang="zh-CN" sz="2135" b="1" dirty="0">
               <a:solidFill>
@@ -11850,8 +12102,8 @@
         </p:nvSpPr>
         <p:spPr>
           <a:xfrm>
-            <a:off x="1138555" y="4231640"/>
-            <a:ext cx="3028950" cy="1078230"/>
+            <a:off x="1202690" y="3335655"/>
+            <a:ext cx="3028950" cy="1736090"/>
           </a:xfrm>
           <a:prstGeom prst="rect">
             <a:avLst/>
@@ -11885,7 +12137,7 @@
                 <a:cs typeface="+mn-ea"/>
                 <a:sym typeface="+mn-lt"/>
               </a:rPr>
-              <a:t>Add , Update,</a:t>
+              <a:t>Add</a:t>
             </a:r>
             <a:endParaRPr lang="en-US" altLang="zh-CN" sz="2135" b="1" dirty="0">
               <a:solidFill>
@@ -11909,7 +12161,55 @@
                 <a:cs typeface="+mn-ea"/>
                 <a:sym typeface="+mn-lt"/>
               </a:rPr>
-              <a:t>Delete , Reset,</a:t>
+              <a:t>Update</a:t>
+            </a:r>
+            <a:endParaRPr lang="en-US" altLang="zh-CN" sz="2135" b="1" dirty="0">
+              <a:solidFill>
+                <a:prstClr val="black"/>
+              </a:solidFill>
+              <a:latin typeface="+mn-lt"/>
+              <a:ea typeface="+mn-ea"/>
+              <a:cs typeface="+mn-ea"/>
+              <a:sym typeface="+mn-lt"/>
+            </a:endParaRPr>
+          </a:p>
+          <a:p>
+            <a:pPr algn="r" defTabSz="1219200"/>
+            <a:r>
+              <a:rPr lang="en-US" altLang="zh-CN" sz="2135" b="1" dirty="0">
+                <a:solidFill>
+                  <a:prstClr val="black"/>
+                </a:solidFill>
+                <a:latin typeface="+mn-lt"/>
+                <a:ea typeface="+mn-ea"/>
+                <a:cs typeface="+mn-ea"/>
+                <a:sym typeface="+mn-lt"/>
+              </a:rPr>
+              <a:t>Delete</a:t>
+            </a:r>
+            <a:endParaRPr lang="en-US" altLang="zh-CN" sz="2135" b="1" dirty="0">
+              <a:solidFill>
+                <a:prstClr val="black"/>
+              </a:solidFill>
+              <a:latin typeface="+mn-lt"/>
+              <a:ea typeface="+mn-ea"/>
+              <a:cs typeface="+mn-ea"/>
+              <a:sym typeface="+mn-lt"/>
+            </a:endParaRPr>
+          </a:p>
+          <a:p>
+            <a:pPr algn="r" defTabSz="1219200"/>
+            <a:r>
+              <a:rPr lang="en-US" altLang="zh-CN" sz="2135" b="1" dirty="0">
+                <a:solidFill>
+                  <a:prstClr val="black"/>
+                </a:solidFill>
+                <a:latin typeface="+mn-lt"/>
+                <a:ea typeface="+mn-ea"/>
+                <a:cs typeface="+mn-ea"/>
+                <a:sym typeface="+mn-lt"/>
+              </a:rPr>
+              <a:t>Reset</a:t>
             </a:r>
             <a:endParaRPr lang="en-US" altLang="zh-CN" sz="2135" b="1" dirty="0">
               <a:solidFill>
@@ -11955,8 +12255,8 @@
         </p:nvSpPr>
         <p:spPr>
           <a:xfrm>
-            <a:off x="1697355" y="1936750"/>
-            <a:ext cx="2607310" cy="749300"/>
+            <a:off x="1585595" y="1936750"/>
+            <a:ext cx="2607310" cy="1078230"/>
           </a:xfrm>
           <a:prstGeom prst="rect">
             <a:avLst/>
@@ -12026,115 +12326,32 @@
               <a:sym typeface="+mn-lt"/>
             </a:endParaRPr>
           </a:p>
-        </p:txBody>
-      </p:sp>
-    </p:spTree>
-  </p:cSld>
-  <p:clrMapOvr>
-    <a:masterClrMapping/>
-  </p:clrMapOvr>
-  <mc:AlternateContent xmlns:mc="http://schemas.openxmlformats.org/markup-compatibility/2006">
-    <mc:Choice xmlns:p14="http://schemas.microsoft.com/office/powerpoint/2010/main" Requires="p14">
-      <p:transition spd="slow" p14:dur="1500">
-        <p:random/>
-      </p:transition>
-    </mc:Choice>
-    <mc:Fallback>
-      <p:transition spd="slow">
-        <p:random/>
-      </p:transition>
-    </mc:Fallback>
-  </mc:AlternateContent>
-</p:sld>
-</file>
-
-<file path=ppt/slides/slide19.xml><?xml version="1.0" encoding="utf-8"?>
-<p:sld xmlns:a="http://schemas.openxmlformats.org/drawingml/2006/main" xmlns:r="http://schemas.openxmlformats.org/officeDocument/2006/relationships" xmlns:p="http://schemas.openxmlformats.org/presentationml/2006/main">
-  <p:cSld>
-    <p:spTree>
-      <p:nvGrpSpPr>
-        <p:cNvPr id="1" name=""/>
-        <p:cNvGrpSpPr/>
-        <p:nvPr/>
-      </p:nvGrpSpPr>
-      <p:grpSpPr/>
-      <p:sp>
-        <p:nvSpPr>
-          <p:cNvPr id="2" name="Title 1"/>
-          <p:cNvSpPr>
-            <a:spLocks noGrp="1"/>
-          </p:cNvSpPr>
-          <p:nvPr>
-            <p:ph type="ctrTitle"/>
-          </p:nvPr>
-        </p:nvSpPr>
-        <p:spPr>
-          <a:xfrm>
-            <a:off x="3740150" y="252730"/>
-            <a:ext cx="4423410" cy="541655"/>
-          </a:xfrm>
-        </p:spPr>
-        <p:txBody>
-          <a:bodyPr>
-            <a:normAutofit fontScale="90000"/>
-          </a:bodyPr>
           <a:p>
+            <a:pPr algn="r" defTabSz="1219200"/>
             <a:r>
-              <a:rPr lang="en-US" altLang="zh-CN" sz="4445" noProof="0" dirty="0">
-                <a:ln w="22225">
-                  <a:solidFill>
-                    <a:schemeClr val="accent2"/>
-                  </a:solidFill>
-                  <a:prstDash val="solid"/>
-                </a:ln>
+              <a:rPr lang="en-US" altLang="zh-CN" sz="2135" b="1" dirty="0">
                 <a:solidFill>
-                  <a:srgbClr val="FF0000"/>
+                  <a:prstClr val="black"/>
                 </a:solidFill>
-                <a:effectLst/>
-                <a:uLnTx/>
-                <a:uFillTx/>
+                <a:latin typeface="+mn-lt"/>
+                <a:ea typeface="+mn-ea"/>
                 <a:cs typeface="+mn-ea"/>
                 <a:sym typeface="+mn-lt"/>
               </a:rPr>
-              <a:t>Database</a:t>
+              <a:t>Customer</a:t>
             </a:r>
-            <a:endParaRPr lang="en-US" sz="4445"/>
+            <a:endParaRPr lang="en-US" altLang="zh-CN" sz="2135" b="1" dirty="0">
+              <a:solidFill>
+                <a:prstClr val="black"/>
+              </a:solidFill>
+              <a:latin typeface="+mn-lt"/>
+              <a:ea typeface="+mn-ea"/>
+              <a:cs typeface="+mn-ea"/>
+              <a:sym typeface="+mn-lt"/>
+            </a:endParaRPr>
           </a:p>
         </p:txBody>
       </p:sp>
-      <p:pic>
-        <p:nvPicPr>
-          <p:cNvPr id="3" name="Picture 2"/>
-          <p:cNvPicPr>
-            <a:picLocks noChangeAspect="1"/>
-          </p:cNvPicPr>
-          <p:nvPr>
-            <p:custDataLst>
-              <p:tags r:id="rId1"/>
-            </p:custDataLst>
-          </p:nvPr>
-        </p:nvPicPr>
-        <p:blipFill>
-          <a:blip r:embed="rId2"/>
-          <a:stretch>
-            <a:fillRect/>
-          </a:stretch>
-        </p:blipFill>
-        <p:spPr>
-          <a:xfrm>
-            <a:off x="2279015" y="1573530"/>
-            <a:ext cx="7174865" cy="3371850"/>
-          </a:xfrm>
-          <a:prstGeom prst="rect">
-            <a:avLst/>
-          </a:prstGeom>
-          <a:ln>
-            <a:solidFill>
-              <a:schemeClr val="tx1"/>
-            </a:solidFill>
-          </a:ln>
-        </p:spPr>
-      </p:pic>
     </p:spTree>
   </p:cSld>
   <p:clrMapOvr>
@@ -14538,7 +14755,7 @@
       </p:sp>
       <p:pic>
         <p:nvPicPr>
-          <p:cNvPr id="4" name="Picture 3"/>
+          <p:cNvPr id="3" name="Picture 2"/>
           <p:cNvPicPr>
             <a:picLocks noChangeAspect="1"/>
           </p:cNvPicPr>
@@ -14556,8 +14773,8 @@
         </p:blipFill>
         <p:spPr>
           <a:xfrm>
-            <a:off x="2157730" y="1084580"/>
-            <a:ext cx="7154545" cy="4149090"/>
+            <a:off x="1593850" y="1573530"/>
+            <a:ext cx="8721725" cy="4192905"/>
           </a:xfrm>
           <a:prstGeom prst="rect">
             <a:avLst/>
@@ -14590,6 +14807,113 @@
 </file>
 
 <file path=ppt/slides/slide21.xml><?xml version="1.0" encoding="utf-8"?>
+<p:sld xmlns:a="http://schemas.openxmlformats.org/drawingml/2006/main" xmlns:r="http://schemas.openxmlformats.org/officeDocument/2006/relationships" xmlns:p="http://schemas.openxmlformats.org/presentationml/2006/main">
+  <p:cSld>
+    <p:spTree>
+      <p:nvGrpSpPr>
+        <p:cNvPr id="1" name=""/>
+        <p:cNvGrpSpPr/>
+        <p:nvPr/>
+      </p:nvGrpSpPr>
+      <p:grpSpPr/>
+      <p:sp>
+        <p:nvSpPr>
+          <p:cNvPr id="2" name="Title 1"/>
+          <p:cNvSpPr>
+            <a:spLocks noGrp="1"/>
+          </p:cNvSpPr>
+          <p:nvPr>
+            <p:ph type="ctrTitle"/>
+          </p:nvPr>
+        </p:nvSpPr>
+        <p:spPr>
+          <a:xfrm>
+            <a:off x="3740150" y="252730"/>
+            <a:ext cx="4423410" cy="541655"/>
+          </a:xfrm>
+        </p:spPr>
+        <p:txBody>
+          <a:bodyPr>
+            <a:normAutofit fontScale="90000"/>
+          </a:bodyPr>
+          <a:p>
+            <a:r>
+              <a:rPr lang="en-US" altLang="zh-CN" sz="4445" noProof="0" dirty="0">
+                <a:ln w="22225">
+                  <a:solidFill>
+                    <a:schemeClr val="accent2"/>
+                  </a:solidFill>
+                  <a:prstDash val="solid"/>
+                </a:ln>
+                <a:solidFill>
+                  <a:srgbClr val="FF0000"/>
+                </a:solidFill>
+                <a:effectLst/>
+                <a:uLnTx/>
+                <a:uFillTx/>
+                <a:cs typeface="+mn-ea"/>
+                <a:sym typeface="+mn-lt"/>
+              </a:rPr>
+              <a:t>Database</a:t>
+            </a:r>
+            <a:endParaRPr lang="en-US" sz="4445"/>
+          </a:p>
+        </p:txBody>
+      </p:sp>
+      <p:pic>
+        <p:nvPicPr>
+          <p:cNvPr id="4" name="Picture 3"/>
+          <p:cNvPicPr>
+            <a:picLocks noChangeAspect="1"/>
+          </p:cNvPicPr>
+          <p:nvPr>
+            <p:custDataLst>
+              <p:tags r:id="rId1"/>
+            </p:custDataLst>
+          </p:nvPr>
+        </p:nvPicPr>
+        <p:blipFill>
+          <a:blip r:embed="rId2"/>
+          <a:stretch>
+            <a:fillRect/>
+          </a:stretch>
+        </p:blipFill>
+        <p:spPr>
+          <a:xfrm>
+            <a:off x="1866900" y="976630"/>
+            <a:ext cx="8458835" cy="4905375"/>
+          </a:xfrm>
+          <a:prstGeom prst="rect">
+            <a:avLst/>
+          </a:prstGeom>
+          <a:ln>
+            <a:solidFill>
+              <a:schemeClr val="tx1"/>
+            </a:solidFill>
+          </a:ln>
+        </p:spPr>
+      </p:pic>
+    </p:spTree>
+  </p:cSld>
+  <p:clrMapOvr>
+    <a:masterClrMapping/>
+  </p:clrMapOvr>
+  <mc:AlternateContent xmlns:mc="http://schemas.openxmlformats.org/markup-compatibility/2006">
+    <mc:Choice xmlns:p14="http://schemas.microsoft.com/office/powerpoint/2010/main" Requires="p14">
+      <p:transition spd="slow" p14:dur="1500">
+        <p:random/>
+      </p:transition>
+    </mc:Choice>
+    <mc:Fallback>
+      <p:transition spd="slow">
+        <p:random/>
+      </p:transition>
+    </mc:Fallback>
+  </mc:AlternateContent>
+</p:sld>
+</file>
+
+<file path=ppt/slides/slide22.xml><?xml version="1.0" encoding="utf-8"?>
 <p:sld xmlns:a="http://schemas.openxmlformats.org/drawingml/2006/main" xmlns:r="http://schemas.openxmlformats.org/officeDocument/2006/relationships" xmlns:p="http://schemas.openxmlformats.org/presentationml/2006/main">
   <p:cSld>
     <p:spTree>
@@ -14647,7 +14971,7 @@
 </p:sld>
 </file>
 
-<file path=ppt/slides/slide22.xml><?xml version="1.0" encoding="utf-8"?>
+<file path=ppt/slides/slide23.xml><?xml version="1.0" encoding="utf-8"?>
 <p:sld xmlns:a="http://schemas.openxmlformats.org/drawingml/2006/main" xmlns:r="http://schemas.openxmlformats.org/officeDocument/2006/relationships" xmlns:p="http://schemas.openxmlformats.org/presentationml/2006/main">
   <p:cSld>
     <p:spTree>
@@ -14705,7 +15029,65 @@
 </p:sld>
 </file>
 
-<file path=ppt/slides/slide23.xml><?xml version="1.0" encoding="utf-8"?>
+<file path=ppt/slides/slide24.xml><?xml version="1.0" encoding="utf-8"?>
+<p:sld xmlns:a="http://schemas.openxmlformats.org/drawingml/2006/main" xmlns:r="http://schemas.openxmlformats.org/officeDocument/2006/relationships" xmlns:p="http://schemas.openxmlformats.org/presentationml/2006/main">
+  <p:cSld>
+    <p:spTree>
+      <p:nvGrpSpPr>
+        <p:cNvPr id="1" name=""/>
+        <p:cNvGrpSpPr/>
+        <p:nvPr/>
+      </p:nvGrpSpPr>
+      <p:grpSpPr/>
+      <p:pic>
+        <p:nvPicPr>
+          <p:cNvPr id="3" name="Picture 2"/>
+          <p:cNvPicPr>
+            <a:picLocks noChangeAspect="1"/>
+          </p:cNvPicPr>
+          <p:nvPr>
+            <p:custDataLst>
+              <p:tags r:id="rId1"/>
+            </p:custDataLst>
+          </p:nvPr>
+        </p:nvPicPr>
+        <p:blipFill>
+          <a:blip r:embed="rId2"/>
+          <a:stretch>
+            <a:fillRect/>
+          </a:stretch>
+        </p:blipFill>
+        <p:spPr>
+          <a:xfrm>
+            <a:off x="958850" y="355600"/>
+            <a:ext cx="10309860" cy="6146165"/>
+          </a:xfrm>
+          <a:prstGeom prst="rect">
+            <a:avLst/>
+          </a:prstGeom>
+        </p:spPr>
+      </p:pic>
+    </p:spTree>
+  </p:cSld>
+  <p:clrMapOvr>
+    <a:masterClrMapping/>
+  </p:clrMapOvr>
+  <mc:AlternateContent xmlns:mc="http://schemas.openxmlformats.org/markup-compatibility/2006">
+    <mc:Choice xmlns:p14="http://schemas.microsoft.com/office/powerpoint/2010/main" Requires="p14">
+      <p:transition spd="slow" p14:dur="1500">
+        <p:random/>
+      </p:transition>
+    </mc:Choice>
+    <mc:Fallback>
+      <p:transition spd="slow">
+        <p:random/>
+      </p:transition>
+    </mc:Fallback>
+  </mc:AlternateContent>
+</p:sld>
+</file>
+
+<file path=ppt/slides/slide25.xml><?xml version="1.0" encoding="utf-8"?>
 <p:sld xmlns:a="http://schemas.openxmlformats.org/drawingml/2006/main" xmlns:r="http://schemas.openxmlformats.org/officeDocument/2006/relationships" xmlns:p="http://schemas.openxmlformats.org/presentationml/2006/main">
   <p:cSld>
     <p:spTree>
@@ -14763,7 +15145,7 @@
 </p:sld>
 </file>
 
-<file path=ppt/slides/slide24.xml><?xml version="1.0" encoding="utf-8"?>
+<file path=ppt/slides/slide26.xml><?xml version="1.0" encoding="utf-8"?>
 <p:sld xmlns:a="http://schemas.openxmlformats.org/drawingml/2006/main" xmlns:r="http://schemas.openxmlformats.org/officeDocument/2006/relationships" xmlns:p="http://schemas.openxmlformats.org/presentationml/2006/main">
   <p:cSld>
     <p:spTree>
@@ -14788,8 +15170,8 @@
         </p:nvSpPr>
         <p:spPr>
           <a:xfrm>
-            <a:off x="583893" y="2598003"/>
-            <a:ext cx="4989115" cy="1814830"/>
+            <a:off x="584200" y="2597785"/>
+            <a:ext cx="6373495" cy="1322070"/>
           </a:xfrm>
           <a:prstGeom prst="rect">
             <a:avLst/>
@@ -14829,7 +15211,7 @@
                 <a:cs typeface="+mn-ea"/>
                 <a:sym typeface="+mn-lt"/>
               </a:rPr>
-              <a:t>THANKS</a:t>
+              <a:t>Group1 </a:t>
             </a:r>
             <a:endParaRPr lang="en-US" altLang="zh-CN" sz="4800">
               <a:ln w="6600">
@@ -14881,7 +15263,7 @@
                 <a:cs typeface="+mn-ea"/>
                 <a:sym typeface="+mn-lt"/>
               </a:rPr>
-              <a:t>Thank you everyone for listening</a:t>
+              <a:t>Thank you everyone for listening.</a:t>
             </a:r>
             <a:endParaRPr lang="en-US" altLang="zh-CN" sz="3200" dirty="0">
               <a:ln w="9525">
@@ -17439,8 +17821,41 @@
         </p:blipFill>
         <p:spPr>
           <a:xfrm>
-            <a:off x="1624330" y="1028700"/>
-            <a:ext cx="9390380" cy="4716145"/>
+            <a:off x="161290" y="1229360"/>
+            <a:ext cx="6333490" cy="3761740"/>
+          </a:xfrm>
+          <a:prstGeom prst="rect">
+            <a:avLst/>
+          </a:prstGeom>
+          <a:ln>
+            <a:solidFill>
+              <a:schemeClr val="tx1"/>
+            </a:solidFill>
+          </a:ln>
+        </p:spPr>
+      </p:pic>
+      <p:pic>
+        <p:nvPicPr>
+          <p:cNvPr id="3" name="Picture 2"/>
+          <p:cNvPicPr>
+            <a:picLocks noChangeAspect="1"/>
+          </p:cNvPicPr>
+          <p:nvPr>
+            <p:custDataLst>
+              <p:tags r:id="rId3"/>
+            </p:custDataLst>
+          </p:nvPr>
+        </p:nvPicPr>
+        <p:blipFill>
+          <a:blip r:embed="rId4"/>
+          <a:stretch>
+            <a:fillRect/>
+          </a:stretch>
+        </p:blipFill>
+        <p:spPr>
+          <a:xfrm>
+            <a:off x="6707505" y="1229995"/>
+            <a:ext cx="5367020" cy="3760470"/>
           </a:xfrm>
           <a:prstGeom prst="rect">
             <a:avLst/>
@@ -20377,7 +20792,7 @@
                 <a:cs typeface="+mn-ea"/>
                 <a:sym typeface="+mn-lt"/>
               </a:rPr>
-              <a:t>Product,</a:t>
+              <a:t>Product</a:t>
             </a:r>
             <a:endParaRPr lang="en-US" altLang="zh-CN" sz="2135" b="1" dirty="0">
               <a:solidFill>
@@ -20423,7 +20838,7 @@
         </p:nvSpPr>
         <p:spPr>
           <a:xfrm>
-            <a:off x="7886065" y="2265680"/>
+            <a:off x="7968615" y="2265680"/>
             <a:ext cx="2607310" cy="420370"/>
           </a:xfrm>
           <a:prstGeom prst="rect">
@@ -20480,8 +20895,8 @@
         </p:nvSpPr>
         <p:spPr>
           <a:xfrm>
-            <a:off x="1138555" y="4231640"/>
-            <a:ext cx="3028950" cy="1078230"/>
+            <a:off x="1275715" y="3594100"/>
+            <a:ext cx="3028950" cy="1715770"/>
           </a:xfrm>
           <a:prstGeom prst="rect">
             <a:avLst/>
@@ -20490,7 +20905,7 @@
         </p:spPr>
         <p:txBody>
           <a:bodyPr wrap="square" rtlCol="0">
-            <a:spAutoFit/>
+            <a:noAutofit/>
           </a:bodyPr>
           <a:lstStyle>
             <a:defPPr>
@@ -20515,7 +20930,7 @@
                 <a:cs typeface="+mn-ea"/>
                 <a:sym typeface="+mn-lt"/>
               </a:rPr>
-              <a:t>Add , Update,</a:t>
+              <a:t>Add</a:t>
             </a:r>
             <a:endParaRPr lang="en-US" altLang="zh-CN" sz="2135" b="1" dirty="0">
               <a:solidFill>
@@ -20539,7 +20954,55 @@
                 <a:cs typeface="+mn-ea"/>
                 <a:sym typeface="+mn-lt"/>
               </a:rPr>
-              <a:t>Delete , Reset,</a:t>
+              <a:t>Update</a:t>
+            </a:r>
+            <a:endParaRPr lang="en-US" altLang="zh-CN" sz="2135" b="1" dirty="0">
+              <a:solidFill>
+                <a:prstClr val="black"/>
+              </a:solidFill>
+              <a:latin typeface="+mn-lt"/>
+              <a:ea typeface="+mn-ea"/>
+              <a:cs typeface="+mn-ea"/>
+              <a:sym typeface="+mn-lt"/>
+            </a:endParaRPr>
+          </a:p>
+          <a:p>
+            <a:pPr algn="r" defTabSz="1219200"/>
+            <a:r>
+              <a:rPr lang="en-US" altLang="zh-CN" sz="2135" b="1" dirty="0">
+                <a:solidFill>
+                  <a:prstClr val="black"/>
+                </a:solidFill>
+                <a:latin typeface="+mn-lt"/>
+                <a:ea typeface="+mn-ea"/>
+                <a:cs typeface="+mn-ea"/>
+                <a:sym typeface="+mn-lt"/>
+              </a:rPr>
+              <a:t>Delete</a:t>
+            </a:r>
+            <a:endParaRPr lang="en-US" altLang="zh-CN" sz="2135" b="1" dirty="0">
+              <a:solidFill>
+                <a:prstClr val="black"/>
+              </a:solidFill>
+              <a:latin typeface="+mn-lt"/>
+              <a:ea typeface="+mn-ea"/>
+              <a:cs typeface="+mn-ea"/>
+              <a:sym typeface="+mn-lt"/>
+            </a:endParaRPr>
+          </a:p>
+          <a:p>
+            <a:pPr algn="r" defTabSz="1219200"/>
+            <a:r>
+              <a:rPr lang="en-US" altLang="zh-CN" sz="2135" b="1" dirty="0">
+                <a:solidFill>
+                  <a:prstClr val="black"/>
+                </a:solidFill>
+                <a:latin typeface="+mn-lt"/>
+                <a:ea typeface="+mn-ea"/>
+                <a:cs typeface="+mn-ea"/>
+                <a:sym typeface="+mn-lt"/>
+              </a:rPr>
+              <a:t>Reset</a:t>
             </a:r>
             <a:endParaRPr lang="en-US" altLang="zh-CN" sz="2135" b="1" dirty="0">
               <a:solidFill>
@@ -20763,6 +21226,24 @@
 </file>
 
 <file path=ppt/tags/tag22.xml><?xml version="1.0" encoding="utf-8"?>
+<p:tagLst xmlns:p="http://schemas.openxmlformats.org/presentationml/2006/main">
+  <p:tag name="KSO_WM_BEAUTIFY_FLAG" val=""/>
+</p:tagLst>
+</file>
+
+<file path=ppt/tags/tag23.xml><?xml version="1.0" encoding="utf-8"?>
+<p:tagLst xmlns:p="http://schemas.openxmlformats.org/presentationml/2006/main">
+  <p:tag name="KSO_WM_BEAUTIFY_FLAG" val=""/>
+</p:tagLst>
+</file>
+
+<file path=ppt/tags/tag24.xml><?xml version="1.0" encoding="utf-8"?>
+<p:tagLst xmlns:p="http://schemas.openxmlformats.org/presentationml/2006/main">
+  <p:tag name="KSO_WM_BEAUTIFY_FLAG" val=""/>
+</p:tagLst>
+</file>
+
+<file path=ppt/tags/tag25.xml><?xml version="1.0" encoding="utf-8"?>
 <p:tagLst xmlns:p="http://schemas.openxmlformats.org/presentationml/2006/main">
   <p:tag name="KSO_WM_BEAUTIFY_FLAG" val=""/>
 </p:tagLst>
